--- a/PresentationOfMeetings/LossCalculationAndDoublePulseTest.pptx
+++ b/PresentationOfMeetings/LossCalculationAndDoublePulseTest.pptx
@@ -15,8 +15,8 @@
     <p:sldId id="276" r:id="rId3"/>
     <p:sldId id="278" r:id="rId4"/>
     <p:sldId id="281" r:id="rId5"/>
-    <p:sldId id="277" r:id="rId6"/>
-    <p:sldId id="282" r:id="rId7"/>
+    <p:sldId id="282" r:id="rId6"/>
+    <p:sldId id="277" r:id="rId7"/>
     <p:sldId id="283" r:id="rId8"/>
     <p:sldId id="285" r:id="rId9"/>
     <p:sldId id="284" r:id="rId10"/>
@@ -912,7 +912,7 @@
                 <a14:useLocalDpi xmlns:a14="http://schemas.microsoft.com/office/drawing/2010/main" val="0"/>
               </a:ext>
               <a:ext uri="{96DAC541-7B7A-43D3-8B79-37D633B846F1}">
-                <asvg:svgBlip xmlns:asvg="http://schemas.microsoft.com/office/drawing/2016/SVG/main" xmlns="" r:embed="rId3"/>
+                <asvg:svgBlip xmlns="" xmlns:asvg="http://schemas.microsoft.com/office/drawing/2016/SVG/main" r:embed="rId3"/>
               </a:ext>
             </a:extLst>
           </a:blip>
@@ -1235,7 +1235,7 @@
                 <a14:useLocalDpi xmlns:a14="http://schemas.microsoft.com/office/drawing/2010/main" val="0"/>
               </a:ext>
               <a:ext uri="{96DAC541-7B7A-43D3-8B79-37D633B846F1}">
-                <asvg:svgBlip xmlns:asvg="http://schemas.microsoft.com/office/drawing/2016/SVG/main" xmlns="" r:embed="rId4"/>
+                <asvg:svgBlip xmlns="" xmlns:asvg="http://schemas.microsoft.com/office/drawing/2016/SVG/main" r:embed="rId4"/>
               </a:ext>
             </a:extLst>
           </a:blip>
@@ -3804,11 +3804,7 @@
             <a:pPr algn="ctr"/>
             <a:r>
               <a:rPr lang="en-US" sz="2800" dirty="0" smtClean="0"/>
-              <a:t>Conduction and Switching </a:t>
-            </a:r>
-            <a:r>
-              <a:rPr lang="en-US" sz="2800" dirty="0" smtClean="0"/>
-              <a:t>Events</a:t>
+              <a:t>Conduction and Switching Events</a:t>
             </a:r>
             <a:endParaRPr lang="sv-SE" dirty="0"/>
           </a:p>
@@ -6614,25 +6610,7 @@
                 </a:solidFill>
                 <a:latin typeface="Söhne"/>
               </a:rPr>
-              <a:t>behavior and </a:t>
-            </a:r>
-            <a:r>
-              <a:rPr lang="en-US" dirty="0" smtClean="0">
-                <a:solidFill>
-                  <a:srgbClr val="374151"/>
-                </a:solidFill>
-                <a:latin typeface="Söhne"/>
-              </a:rPr>
-              <a:t>compare/validate </a:t>
-            </a:r>
-            <a:r>
-              <a:rPr lang="en-US" dirty="0" smtClean="0">
-                <a:solidFill>
-                  <a:srgbClr val="374151"/>
-                </a:solidFill>
-                <a:latin typeface="Söhne"/>
-              </a:rPr>
-              <a:t>the theoretical calculation. </a:t>
+              <a:t>behavior and compare/validate the theoretical calculation. </a:t>
             </a:r>
             <a:endParaRPr lang="sv-SE" dirty="0"/>
           </a:p>
@@ -6873,13 +6851,7 @@
               <a:rPr lang="en-US" b="1" dirty="0">
                 <a:latin typeface="Söhne"/>
               </a:rPr>
-              <a:t>First </a:t>
-            </a:r>
-            <a:r>
-              <a:rPr lang="en-US" b="1" dirty="0">
-                <a:latin typeface="Söhne"/>
-              </a:rPr>
-              <a:t>Pulse (Turn-Off)</a:t>
+              <a:t>First Pulse (Turn-Off)</a:t>
             </a:r>
             <a:r>
               <a:rPr lang="en-US" dirty="0">
@@ -6964,15 +6936,7 @@
             <a:pPr algn="ctr"/>
             <a:r>
               <a:rPr lang="en-US" sz="2800" dirty="0" smtClean="0"/>
-              <a:t>Double </a:t>
-            </a:r>
-            <a:r>
-              <a:rPr lang="en-US" sz="2800" dirty="0" smtClean="0"/>
-              <a:t>Pulse </a:t>
-            </a:r>
-            <a:r>
-              <a:rPr lang="en-US" sz="2800" dirty="0" smtClean="0"/>
-              <a:t>Test</a:t>
+              <a:t>Double Pulse Test</a:t>
             </a:r>
             <a:endParaRPr lang="sv-SE" dirty="0"/>
           </a:p>
@@ -8462,11 +8426,7 @@
             </a:r>
             <a:r>
               <a:rPr lang="en-US" sz="2800" dirty="0" smtClean="0"/>
-              <a:t>DPT and expecte</a:t>
-            </a:r>
-            <a:r>
-              <a:rPr lang="en-US" sz="2800" dirty="0" smtClean="0"/>
-              <a:t>d results</a:t>
+              <a:t>DPT and expected results</a:t>
             </a:r>
             <a:endParaRPr lang="sv-SE" dirty="0"/>
           </a:p>
@@ -12779,489 +12739,6 @@
             <p:ph type="title"/>
           </p:nvPr>
         </p:nvSpPr>
-        <p:spPr>
-          <a:xfrm>
-            <a:off x="971600" y="270634"/>
-            <a:ext cx="7763861" cy="647700"/>
-          </a:xfrm>
-        </p:spPr>
-        <p:txBody>
-          <a:bodyPr/>
-          <a:lstStyle/>
-          <a:p>
-            <a:pPr algn="ctr"/>
-            <a:r>
-              <a:rPr lang="en-US" sz="2800" dirty="0"/>
-              <a:t>Loss Calculation Assumptions</a:t>
-            </a:r>
-            <a:endParaRPr lang="sv-SE" dirty="0"/>
-          </a:p>
-        </p:txBody>
-      </p:sp>
-      <p:sp>
-        <p:nvSpPr>
-          <p:cNvPr id="2" name="Rectangle 1"/>
-          <p:cNvSpPr/>
-          <p:nvPr/>
-        </p:nvSpPr>
-        <p:spPr>
-          <a:xfrm>
-            <a:off x="971600" y="918334"/>
-            <a:ext cx="7560840" cy="3785652"/>
-          </a:xfrm>
-          <a:prstGeom prst="rect">
-            <a:avLst/>
-          </a:prstGeom>
-        </p:spPr>
-        <p:txBody>
-          <a:bodyPr wrap="square">
-            <a:spAutoFit/>
-          </a:bodyPr>
-          <a:lstStyle/>
-          <a:p>
-            <a:pPr marL="457200" indent="-457200">
-              <a:buFont typeface="+mj-lt"/>
-              <a:buAutoNum type="arabicPeriod"/>
-            </a:pPr>
-            <a:r>
-              <a:rPr lang="sv-SE" sz="1500" dirty="0" err="1"/>
-              <a:t>SiC</a:t>
-            </a:r>
-            <a:r>
-              <a:rPr lang="sv-SE" sz="1500" dirty="0"/>
-              <a:t> </a:t>
-            </a:r>
-            <a:r>
-              <a:rPr lang="sv-SE" sz="1500" dirty="0" err="1"/>
-              <a:t>MOSFETs</a:t>
-            </a:r>
-            <a:r>
-              <a:rPr lang="sv-SE" sz="1500" dirty="0"/>
-              <a:t>, </a:t>
-            </a:r>
-            <a:r>
-              <a:rPr lang="sv-SE" sz="1500" dirty="0" err="1"/>
-              <a:t>which</a:t>
-            </a:r>
-            <a:r>
-              <a:rPr lang="sv-SE" sz="1500" dirty="0"/>
-              <a:t> </a:t>
-            </a:r>
-            <a:r>
-              <a:rPr lang="sv-SE" sz="1500" dirty="0" err="1"/>
-              <a:t>are</a:t>
-            </a:r>
-            <a:r>
-              <a:rPr lang="sv-SE" sz="1500" dirty="0"/>
-              <a:t> </a:t>
-            </a:r>
-            <a:r>
-              <a:rPr lang="sv-SE" sz="1500" dirty="0" err="1"/>
-              <a:t>capable</a:t>
-            </a:r>
-            <a:r>
-              <a:rPr lang="sv-SE" sz="1500" dirty="0"/>
-              <a:t> </a:t>
-            </a:r>
-            <a:r>
-              <a:rPr lang="sv-SE" sz="1500" dirty="0" err="1"/>
-              <a:t>of</a:t>
-            </a:r>
-            <a:r>
-              <a:rPr lang="sv-SE" sz="1500" dirty="0"/>
-              <a:t> </a:t>
-            </a:r>
-            <a:r>
-              <a:rPr lang="sv-SE" sz="1500" b="1" dirty="0"/>
-              <a:t>forward</a:t>
-            </a:r>
-            <a:r>
-              <a:rPr lang="sv-SE" sz="1500" dirty="0"/>
-              <a:t> and </a:t>
-            </a:r>
-            <a:r>
-              <a:rPr lang="sv-SE" sz="1500" b="1" dirty="0" err="1"/>
-              <a:t>reverse</a:t>
-            </a:r>
-            <a:r>
-              <a:rPr lang="sv-SE" sz="1500" b="1" dirty="0"/>
-              <a:t> </a:t>
-            </a:r>
-            <a:r>
-              <a:rPr lang="sv-SE" sz="1500" b="1" dirty="0" err="1"/>
-              <a:t>current</a:t>
-            </a:r>
-            <a:r>
-              <a:rPr lang="sv-SE" sz="1500" b="1" dirty="0"/>
-              <a:t> </a:t>
-            </a:r>
-            <a:r>
-              <a:rPr lang="sv-SE" sz="1500" dirty="0" err="1"/>
-              <a:t>conduction</a:t>
-            </a:r>
-            <a:r>
-              <a:rPr lang="sv-SE" sz="1500" dirty="0"/>
-              <a:t> </a:t>
-            </a:r>
-            <a:r>
-              <a:rPr lang="sv-SE" sz="1500" dirty="0" err="1"/>
-              <a:t>through</a:t>
-            </a:r>
-            <a:r>
-              <a:rPr lang="sv-SE" sz="1500" dirty="0"/>
-              <a:t> the </a:t>
-            </a:r>
-            <a:r>
-              <a:rPr lang="sv-SE" sz="1500" dirty="0" err="1"/>
-              <a:t>channel</a:t>
-            </a:r>
-            <a:r>
-              <a:rPr lang="sv-SE" sz="1500" dirty="0"/>
-              <a:t>, </a:t>
-            </a:r>
-            <a:r>
-              <a:rPr lang="sv-SE" sz="1500" dirty="0" err="1"/>
-              <a:t>are</a:t>
-            </a:r>
-            <a:r>
-              <a:rPr lang="sv-SE" sz="1500" dirty="0"/>
-              <a:t> </a:t>
-            </a:r>
-            <a:r>
-              <a:rPr lang="sv-SE" sz="1500" dirty="0" err="1"/>
-              <a:t>used</a:t>
-            </a:r>
-            <a:r>
-              <a:rPr lang="sv-SE" sz="1500" dirty="0"/>
-              <a:t> as </a:t>
-            </a:r>
-            <a:r>
-              <a:rPr lang="sv-SE" sz="1500" dirty="0" err="1"/>
-              <a:t>switching</a:t>
-            </a:r>
-            <a:r>
-              <a:rPr lang="sv-SE" sz="1500" dirty="0"/>
-              <a:t> </a:t>
-            </a:r>
-            <a:r>
-              <a:rPr lang="sv-SE" sz="1500" dirty="0" err="1"/>
-              <a:t>devices</a:t>
-            </a:r>
-            <a:r>
-              <a:rPr lang="sv-SE" sz="1500" dirty="0"/>
-              <a:t>. </a:t>
-            </a:r>
-            <a:r>
-              <a:rPr lang="en-US" sz="1500" dirty="0"/>
-              <a:t>It is assumed that </a:t>
-            </a:r>
-            <a:r>
-              <a:rPr lang="en-US" sz="1500" b="1" dirty="0"/>
-              <a:t>the reverse current flows completely through the MOSFET channel</a:t>
-            </a:r>
-            <a:r>
-              <a:rPr lang="en-US" sz="1500" dirty="0"/>
-              <a:t>. This is a worse assumption than </a:t>
-            </a:r>
-            <a:r>
-              <a:rPr lang="en-US" sz="1500" b="1" dirty="0"/>
-              <a:t>current sharing </a:t>
-            </a:r>
-            <a:r>
-              <a:rPr lang="en-US" sz="1500" dirty="0"/>
-              <a:t>between the </a:t>
-            </a:r>
-            <a:r>
-              <a:rPr lang="en-US" sz="1500" b="1" dirty="0"/>
-              <a:t>channel</a:t>
-            </a:r>
-            <a:r>
-              <a:rPr lang="en-US" sz="1500" dirty="0"/>
-              <a:t> and the </a:t>
-            </a:r>
-            <a:r>
-              <a:rPr lang="en-US" sz="1500" b="1" dirty="0"/>
-              <a:t>body diode</a:t>
-            </a:r>
-            <a:r>
-              <a:rPr lang="en-US" sz="1500" dirty="0"/>
-              <a:t>. It partly compensates the </a:t>
-            </a:r>
-            <a:r>
-              <a:rPr lang="en-US" sz="1500" dirty="0" err="1"/>
-              <a:t>neglection</a:t>
-            </a:r>
-            <a:r>
-              <a:rPr lang="en-US" sz="1500" dirty="0"/>
-              <a:t> of losses in the body diode during interlock (dead) times. </a:t>
-            </a:r>
-          </a:p>
-          <a:p>
-            <a:pPr marL="457200" indent="-457200">
-              <a:buFont typeface="+mj-lt"/>
-              <a:buAutoNum type="arabicPeriod"/>
-            </a:pPr>
-            <a:r>
-              <a:rPr lang="en-US" sz="1500" b="1" dirty="0"/>
-              <a:t>The reverse recovery energy of the body diode is also not considered</a:t>
-            </a:r>
-            <a:r>
-              <a:rPr lang="en-US" sz="1500" dirty="0"/>
-              <a:t>, since measuring it is problematic  and it is comparably small so that it is not included in the datasheet of the module.</a:t>
-            </a:r>
-          </a:p>
-          <a:p>
-            <a:pPr marL="457200" indent="-457200">
-              <a:buFont typeface="+mj-lt"/>
-              <a:buAutoNum type="arabicPeriod"/>
-            </a:pPr>
-            <a:r>
-              <a:rPr lang="en-US" sz="1500" dirty="0"/>
-              <a:t>When the MOSFET is </a:t>
-            </a:r>
-            <a:r>
-              <a:rPr lang="en-US" sz="1500" b="1" dirty="0"/>
-              <a:t>in reverse conduction mode </a:t>
-            </a:r>
-            <a:r>
-              <a:rPr lang="en-US" sz="1500" dirty="0" smtClean="0"/>
-              <a:t>the </a:t>
-            </a:r>
-            <a:r>
-              <a:rPr lang="en-US" sz="1500" dirty="0"/>
-              <a:t>current commutates from and to its own body diode under </a:t>
-            </a:r>
-            <a:r>
-              <a:rPr lang="en-US" sz="1500" b="1" dirty="0"/>
-              <a:t>zero voltage switching (ZVS) condition</a:t>
-            </a:r>
-            <a:r>
-              <a:rPr lang="en-US" sz="1500" dirty="0"/>
-              <a:t>, and therefore </a:t>
-            </a:r>
-            <a:r>
-              <a:rPr lang="en-US" sz="1500" b="1" dirty="0"/>
-              <a:t>switching losses </a:t>
-            </a:r>
-            <a:r>
-              <a:rPr lang="en-US" sz="1500" dirty="0"/>
-              <a:t>are only taken into account during </a:t>
-            </a:r>
-            <a:r>
-              <a:rPr lang="en-US" sz="1500" b="1" dirty="0"/>
-              <a:t>forward conduction mode </a:t>
-            </a:r>
-            <a:r>
-              <a:rPr lang="en-US" sz="1500" dirty="0"/>
-              <a:t>of the MOSFET.</a:t>
-            </a:r>
-          </a:p>
-          <a:p>
-            <a:pPr marL="457200" indent="-457200">
-              <a:buFont typeface="+mj-lt"/>
-              <a:buAutoNum type="arabicPeriod"/>
-            </a:pPr>
-            <a:r>
-              <a:rPr lang="en-US" sz="1500" dirty="0"/>
-              <a:t>For the </a:t>
-            </a:r>
-            <a:r>
-              <a:rPr lang="en-US" sz="1500" b="1" dirty="0"/>
-              <a:t>NPC</a:t>
-            </a:r>
-            <a:r>
-              <a:rPr lang="en-US" sz="1500" dirty="0"/>
-              <a:t> inverter, another type of semiconductor is used for the clamping diodes. Here, </a:t>
-            </a:r>
-            <a:r>
-              <a:rPr lang="en-US" sz="1500" b="1" dirty="0" err="1"/>
-              <a:t>SiC</a:t>
-            </a:r>
-            <a:r>
-              <a:rPr lang="en-US" sz="1500" b="1" dirty="0"/>
-              <a:t> </a:t>
-            </a:r>
-            <a:r>
-              <a:rPr lang="en-US" sz="1500" b="1" dirty="0" err="1"/>
-              <a:t>Schottky</a:t>
-            </a:r>
-            <a:r>
-              <a:rPr lang="en-US" sz="1500" b="1" dirty="0"/>
-              <a:t> </a:t>
-            </a:r>
-            <a:r>
-              <a:rPr lang="en-US" sz="1500" dirty="0"/>
-              <a:t>diodes are considered which have </a:t>
-            </a:r>
-            <a:r>
-              <a:rPr lang="en-US" sz="1500" b="1" dirty="0"/>
-              <a:t>negligible switching losses</a:t>
-            </a:r>
-            <a:r>
-              <a:rPr lang="en-US" sz="1500" dirty="0"/>
-              <a:t>, and thus only </a:t>
-            </a:r>
-            <a:r>
-              <a:rPr lang="en-US" sz="1500" b="1" dirty="0"/>
-              <a:t>the conduction losses </a:t>
-            </a:r>
-            <a:r>
-              <a:rPr lang="en-US" sz="1500" dirty="0"/>
-              <a:t>are </a:t>
-            </a:r>
-            <a:r>
-              <a:rPr lang="en-US" sz="1500" b="1" dirty="0"/>
-              <a:t>accounted</a:t>
-            </a:r>
-            <a:r>
-              <a:rPr lang="en-US" sz="1500" dirty="0"/>
-              <a:t> for.</a:t>
-            </a:r>
-          </a:p>
-        </p:txBody>
-      </p:sp>
-    </p:spTree>
-    <p:extLst>
-      <p:ext uri="{BB962C8B-B14F-4D97-AF65-F5344CB8AC3E}">
-        <p14:creationId xmlns:p14="http://schemas.microsoft.com/office/powerpoint/2010/main" val="104460432"/>
-      </p:ext>
-    </p:extLst>
-  </p:cSld>
-  <p:clrMapOvr>
-    <a:masterClrMapping/>
-  </p:clrMapOvr>
-  <p:timing>
-    <p:tnLst>
-      <p:par>
-        <p:cTn id="1" dur="indefinite" restart="never" nodeType="tmRoot"/>
-      </p:par>
-    </p:tnLst>
-  </p:timing>
-</p:sld>
-</file>
-
-<file path=ppt/slides/slide6.xml><?xml version="1.0" encoding="utf-8"?>
-<p:sld xmlns:a="http://schemas.openxmlformats.org/drawingml/2006/main" xmlns:r="http://schemas.openxmlformats.org/officeDocument/2006/relationships" xmlns:p="http://schemas.openxmlformats.org/presentationml/2006/main">
-  <p:cSld>
-    <p:spTree>
-      <p:nvGrpSpPr>
-        <p:cNvPr id="1" name=""/>
-        <p:cNvGrpSpPr/>
-        <p:nvPr/>
-      </p:nvGrpSpPr>
-      <p:grpSpPr>
-        <a:xfrm>
-          <a:off x="0" y="0"/>
-          <a:ext cx="0" cy="0"/>
-          <a:chOff x="0" y="0"/>
-          <a:chExt cx="0" cy="0"/>
-        </a:xfrm>
-      </p:grpSpPr>
-      <p:sp>
-        <p:nvSpPr>
-          <p:cNvPr id="3" name="Date Placeholder 2">
-            <a:extLst>
-              <a:ext uri="{FF2B5EF4-FFF2-40B4-BE49-F238E27FC236}">
-                <a16:creationId xmlns:a16="http://schemas.microsoft.com/office/drawing/2014/main" id="{DE261A77-36CD-DE4F-8CA6-569DA6FD05F1}"/>
-              </a:ext>
-            </a:extLst>
-          </p:cNvPr>
-          <p:cNvSpPr>
-            <a:spLocks noGrp="1"/>
-          </p:cNvSpPr>
-          <p:nvPr>
-            <p:ph type="dt" sz="half" idx="10"/>
-          </p:nvPr>
-        </p:nvSpPr>
-        <p:spPr/>
-        <p:txBody>
-          <a:bodyPr/>
-          <a:lstStyle/>
-          <a:p>
-            <a:fld id="{165F6CAB-D6C5-C24C-A2B1-D43DE3A030AC}" type="datetime1">
-              <a:rPr lang="sv-SE" smtClean="0"/>
-              <a:pPr/>
-              <a:t>2023-09-18</a:t>
-            </a:fld>
-            <a:endParaRPr lang="sv-SE"/>
-          </a:p>
-        </p:txBody>
-      </p:sp>
-      <p:sp>
-        <p:nvSpPr>
-          <p:cNvPr id="4" name="Footer Placeholder 3">
-            <a:extLst>
-              <a:ext uri="{FF2B5EF4-FFF2-40B4-BE49-F238E27FC236}">
-                <a16:creationId xmlns:a16="http://schemas.microsoft.com/office/drawing/2014/main" id="{842EEE17-AFAB-724E-9DF0-4C48FC080D01}"/>
-              </a:ext>
-            </a:extLst>
-          </p:cNvPr>
-          <p:cNvSpPr>
-            <a:spLocks noGrp="1"/>
-          </p:cNvSpPr>
-          <p:nvPr>
-            <p:ph type="ftr" sz="quarter" idx="11"/>
-          </p:nvPr>
-        </p:nvSpPr>
-        <p:spPr/>
-        <p:txBody>
-          <a:bodyPr/>
-          <a:lstStyle/>
-          <a:p>
-            <a:r>
-              <a:rPr lang="sv-SE"/>
-              <a:t>Footer</a:t>
-            </a:r>
-            <a:endParaRPr lang="sv-SE" dirty="0"/>
-          </a:p>
-        </p:txBody>
-      </p:sp>
-      <p:sp>
-        <p:nvSpPr>
-          <p:cNvPr id="5" name="Slide Number Placeholder 4">
-            <a:extLst>
-              <a:ext uri="{FF2B5EF4-FFF2-40B4-BE49-F238E27FC236}">
-                <a16:creationId xmlns:a16="http://schemas.microsoft.com/office/drawing/2014/main" id="{392B6CC9-3FEF-FB46-9337-9012AEB65A71}"/>
-              </a:ext>
-            </a:extLst>
-          </p:cNvPr>
-          <p:cNvSpPr>
-            <a:spLocks noGrp="1"/>
-          </p:cNvSpPr>
-          <p:nvPr>
-            <p:ph type="sldNum" sz="quarter" idx="12"/>
-          </p:nvPr>
-        </p:nvSpPr>
-        <p:spPr/>
-        <p:txBody>
-          <a:bodyPr/>
-          <a:lstStyle/>
-          <a:p>
-            <a:fld id="{7422A9A3-8636-4A04-BD48-3153280FB086}" type="slidenum">
-              <a:rPr lang="sv-SE" smtClean="0"/>
-              <a:pPr/>
-              <a:t>6</a:t>
-            </a:fld>
-            <a:endParaRPr lang="sv-SE"/>
-          </a:p>
-        </p:txBody>
-      </p:sp>
-      <p:sp>
-        <p:nvSpPr>
-          <p:cNvPr id="22" name="Title 21">
-            <a:extLst>
-              <a:ext uri="{FF2B5EF4-FFF2-40B4-BE49-F238E27FC236}">
-                <a16:creationId xmlns:a16="http://schemas.microsoft.com/office/drawing/2014/main" id="{D402962F-4BCF-4C48-B489-6DA366CE6E92}"/>
-              </a:ext>
-            </a:extLst>
-          </p:cNvPr>
-          <p:cNvSpPr>
-            <a:spLocks noGrp="1"/>
-          </p:cNvSpPr>
-          <p:nvPr>
-            <p:ph type="title"/>
-          </p:nvPr>
-        </p:nvSpPr>
         <p:spPr/>
         <p:txBody>
           <a:bodyPr/>
@@ -14506,6 +13983,489 @@
     <p:extLst>
       <p:ext uri="{BB962C8B-B14F-4D97-AF65-F5344CB8AC3E}">
         <p14:creationId xmlns:p14="http://schemas.microsoft.com/office/powerpoint/2010/main" val="1152760202"/>
+      </p:ext>
+    </p:extLst>
+  </p:cSld>
+  <p:clrMapOvr>
+    <a:masterClrMapping/>
+  </p:clrMapOvr>
+  <p:timing>
+    <p:tnLst>
+      <p:par>
+        <p:cTn id="1" dur="indefinite" restart="never" nodeType="tmRoot"/>
+      </p:par>
+    </p:tnLst>
+  </p:timing>
+</p:sld>
+</file>
+
+<file path=ppt/slides/slide6.xml><?xml version="1.0" encoding="utf-8"?>
+<p:sld xmlns:a="http://schemas.openxmlformats.org/drawingml/2006/main" xmlns:r="http://schemas.openxmlformats.org/officeDocument/2006/relationships" xmlns:p="http://schemas.openxmlformats.org/presentationml/2006/main">
+  <p:cSld>
+    <p:spTree>
+      <p:nvGrpSpPr>
+        <p:cNvPr id="1" name=""/>
+        <p:cNvGrpSpPr/>
+        <p:nvPr/>
+      </p:nvGrpSpPr>
+      <p:grpSpPr>
+        <a:xfrm>
+          <a:off x="0" y="0"/>
+          <a:ext cx="0" cy="0"/>
+          <a:chOff x="0" y="0"/>
+          <a:chExt cx="0" cy="0"/>
+        </a:xfrm>
+      </p:grpSpPr>
+      <p:sp>
+        <p:nvSpPr>
+          <p:cNvPr id="3" name="Date Placeholder 2">
+            <a:extLst>
+              <a:ext uri="{FF2B5EF4-FFF2-40B4-BE49-F238E27FC236}">
+                <a16:creationId xmlns:a16="http://schemas.microsoft.com/office/drawing/2014/main" id="{DE261A77-36CD-DE4F-8CA6-569DA6FD05F1}"/>
+              </a:ext>
+            </a:extLst>
+          </p:cNvPr>
+          <p:cNvSpPr>
+            <a:spLocks noGrp="1"/>
+          </p:cNvSpPr>
+          <p:nvPr>
+            <p:ph type="dt" sz="half" idx="10"/>
+          </p:nvPr>
+        </p:nvSpPr>
+        <p:spPr/>
+        <p:txBody>
+          <a:bodyPr/>
+          <a:lstStyle/>
+          <a:p>
+            <a:fld id="{165F6CAB-D6C5-C24C-A2B1-D43DE3A030AC}" type="datetime1">
+              <a:rPr lang="sv-SE" smtClean="0"/>
+              <a:pPr/>
+              <a:t>2023-09-18</a:t>
+            </a:fld>
+            <a:endParaRPr lang="sv-SE"/>
+          </a:p>
+        </p:txBody>
+      </p:sp>
+      <p:sp>
+        <p:nvSpPr>
+          <p:cNvPr id="4" name="Footer Placeholder 3">
+            <a:extLst>
+              <a:ext uri="{FF2B5EF4-FFF2-40B4-BE49-F238E27FC236}">
+                <a16:creationId xmlns:a16="http://schemas.microsoft.com/office/drawing/2014/main" id="{842EEE17-AFAB-724E-9DF0-4C48FC080D01}"/>
+              </a:ext>
+            </a:extLst>
+          </p:cNvPr>
+          <p:cNvSpPr>
+            <a:spLocks noGrp="1"/>
+          </p:cNvSpPr>
+          <p:nvPr>
+            <p:ph type="ftr" sz="quarter" idx="11"/>
+          </p:nvPr>
+        </p:nvSpPr>
+        <p:spPr/>
+        <p:txBody>
+          <a:bodyPr/>
+          <a:lstStyle/>
+          <a:p>
+            <a:r>
+              <a:rPr lang="sv-SE"/>
+              <a:t>Footer</a:t>
+            </a:r>
+            <a:endParaRPr lang="sv-SE" dirty="0"/>
+          </a:p>
+        </p:txBody>
+      </p:sp>
+      <p:sp>
+        <p:nvSpPr>
+          <p:cNvPr id="5" name="Slide Number Placeholder 4">
+            <a:extLst>
+              <a:ext uri="{FF2B5EF4-FFF2-40B4-BE49-F238E27FC236}">
+                <a16:creationId xmlns:a16="http://schemas.microsoft.com/office/drawing/2014/main" id="{392B6CC9-3FEF-FB46-9337-9012AEB65A71}"/>
+              </a:ext>
+            </a:extLst>
+          </p:cNvPr>
+          <p:cNvSpPr>
+            <a:spLocks noGrp="1"/>
+          </p:cNvSpPr>
+          <p:nvPr>
+            <p:ph type="sldNum" sz="quarter" idx="12"/>
+          </p:nvPr>
+        </p:nvSpPr>
+        <p:spPr/>
+        <p:txBody>
+          <a:bodyPr/>
+          <a:lstStyle/>
+          <a:p>
+            <a:fld id="{7422A9A3-8636-4A04-BD48-3153280FB086}" type="slidenum">
+              <a:rPr lang="sv-SE" smtClean="0"/>
+              <a:pPr/>
+              <a:t>6</a:t>
+            </a:fld>
+            <a:endParaRPr lang="sv-SE"/>
+          </a:p>
+        </p:txBody>
+      </p:sp>
+      <p:sp>
+        <p:nvSpPr>
+          <p:cNvPr id="22" name="Title 21">
+            <a:extLst>
+              <a:ext uri="{FF2B5EF4-FFF2-40B4-BE49-F238E27FC236}">
+                <a16:creationId xmlns:a16="http://schemas.microsoft.com/office/drawing/2014/main" id="{D402962F-4BCF-4C48-B489-6DA366CE6E92}"/>
+              </a:ext>
+            </a:extLst>
+          </p:cNvPr>
+          <p:cNvSpPr>
+            <a:spLocks noGrp="1"/>
+          </p:cNvSpPr>
+          <p:nvPr>
+            <p:ph type="title"/>
+          </p:nvPr>
+        </p:nvSpPr>
+        <p:spPr>
+          <a:xfrm>
+            <a:off x="971600" y="270634"/>
+            <a:ext cx="7763861" cy="647700"/>
+          </a:xfrm>
+        </p:spPr>
+        <p:txBody>
+          <a:bodyPr/>
+          <a:lstStyle/>
+          <a:p>
+            <a:pPr algn="ctr"/>
+            <a:r>
+              <a:rPr lang="en-US" sz="2800" dirty="0"/>
+              <a:t>Loss Calculation Assumptions</a:t>
+            </a:r>
+            <a:endParaRPr lang="sv-SE" dirty="0"/>
+          </a:p>
+        </p:txBody>
+      </p:sp>
+      <p:sp>
+        <p:nvSpPr>
+          <p:cNvPr id="2" name="Rectangle 1"/>
+          <p:cNvSpPr/>
+          <p:nvPr/>
+        </p:nvSpPr>
+        <p:spPr>
+          <a:xfrm>
+            <a:off x="971600" y="918334"/>
+            <a:ext cx="7560840" cy="3785652"/>
+          </a:xfrm>
+          <a:prstGeom prst="rect">
+            <a:avLst/>
+          </a:prstGeom>
+        </p:spPr>
+        <p:txBody>
+          <a:bodyPr wrap="square">
+            <a:spAutoFit/>
+          </a:bodyPr>
+          <a:lstStyle/>
+          <a:p>
+            <a:pPr marL="457200" indent="-457200">
+              <a:buFont typeface="+mj-lt"/>
+              <a:buAutoNum type="arabicPeriod"/>
+            </a:pPr>
+            <a:r>
+              <a:rPr lang="sv-SE" sz="1500" dirty="0" err="1"/>
+              <a:t>SiC</a:t>
+            </a:r>
+            <a:r>
+              <a:rPr lang="sv-SE" sz="1500" dirty="0"/>
+              <a:t> </a:t>
+            </a:r>
+            <a:r>
+              <a:rPr lang="sv-SE" sz="1500" dirty="0" err="1"/>
+              <a:t>MOSFETs</a:t>
+            </a:r>
+            <a:r>
+              <a:rPr lang="sv-SE" sz="1500" dirty="0"/>
+              <a:t>, </a:t>
+            </a:r>
+            <a:r>
+              <a:rPr lang="sv-SE" sz="1500" dirty="0" err="1"/>
+              <a:t>which</a:t>
+            </a:r>
+            <a:r>
+              <a:rPr lang="sv-SE" sz="1500" dirty="0"/>
+              <a:t> </a:t>
+            </a:r>
+            <a:r>
+              <a:rPr lang="sv-SE" sz="1500" dirty="0" err="1"/>
+              <a:t>are</a:t>
+            </a:r>
+            <a:r>
+              <a:rPr lang="sv-SE" sz="1500" dirty="0"/>
+              <a:t> </a:t>
+            </a:r>
+            <a:r>
+              <a:rPr lang="sv-SE" sz="1500" dirty="0" err="1"/>
+              <a:t>capable</a:t>
+            </a:r>
+            <a:r>
+              <a:rPr lang="sv-SE" sz="1500" dirty="0"/>
+              <a:t> </a:t>
+            </a:r>
+            <a:r>
+              <a:rPr lang="sv-SE" sz="1500" dirty="0" err="1"/>
+              <a:t>of</a:t>
+            </a:r>
+            <a:r>
+              <a:rPr lang="sv-SE" sz="1500" dirty="0"/>
+              <a:t> </a:t>
+            </a:r>
+            <a:r>
+              <a:rPr lang="sv-SE" sz="1500" b="1" dirty="0"/>
+              <a:t>forward</a:t>
+            </a:r>
+            <a:r>
+              <a:rPr lang="sv-SE" sz="1500" dirty="0"/>
+              <a:t> and </a:t>
+            </a:r>
+            <a:r>
+              <a:rPr lang="sv-SE" sz="1500" b="1" dirty="0" err="1"/>
+              <a:t>reverse</a:t>
+            </a:r>
+            <a:r>
+              <a:rPr lang="sv-SE" sz="1500" b="1" dirty="0"/>
+              <a:t> </a:t>
+            </a:r>
+            <a:r>
+              <a:rPr lang="sv-SE" sz="1500" b="1" dirty="0" err="1"/>
+              <a:t>current</a:t>
+            </a:r>
+            <a:r>
+              <a:rPr lang="sv-SE" sz="1500" b="1" dirty="0"/>
+              <a:t> </a:t>
+            </a:r>
+            <a:r>
+              <a:rPr lang="sv-SE" sz="1500" dirty="0" err="1"/>
+              <a:t>conduction</a:t>
+            </a:r>
+            <a:r>
+              <a:rPr lang="sv-SE" sz="1500" dirty="0"/>
+              <a:t> </a:t>
+            </a:r>
+            <a:r>
+              <a:rPr lang="sv-SE" sz="1500" dirty="0" err="1"/>
+              <a:t>through</a:t>
+            </a:r>
+            <a:r>
+              <a:rPr lang="sv-SE" sz="1500" dirty="0"/>
+              <a:t> the </a:t>
+            </a:r>
+            <a:r>
+              <a:rPr lang="sv-SE" sz="1500" dirty="0" err="1"/>
+              <a:t>channel</a:t>
+            </a:r>
+            <a:r>
+              <a:rPr lang="sv-SE" sz="1500" dirty="0"/>
+              <a:t>, </a:t>
+            </a:r>
+            <a:r>
+              <a:rPr lang="sv-SE" sz="1500" dirty="0" err="1"/>
+              <a:t>are</a:t>
+            </a:r>
+            <a:r>
+              <a:rPr lang="sv-SE" sz="1500" dirty="0"/>
+              <a:t> </a:t>
+            </a:r>
+            <a:r>
+              <a:rPr lang="sv-SE" sz="1500" dirty="0" err="1"/>
+              <a:t>used</a:t>
+            </a:r>
+            <a:r>
+              <a:rPr lang="sv-SE" sz="1500" dirty="0"/>
+              <a:t> as </a:t>
+            </a:r>
+            <a:r>
+              <a:rPr lang="sv-SE" sz="1500" dirty="0" err="1"/>
+              <a:t>switching</a:t>
+            </a:r>
+            <a:r>
+              <a:rPr lang="sv-SE" sz="1500" dirty="0"/>
+              <a:t> </a:t>
+            </a:r>
+            <a:r>
+              <a:rPr lang="sv-SE" sz="1500" dirty="0" err="1"/>
+              <a:t>devices</a:t>
+            </a:r>
+            <a:r>
+              <a:rPr lang="sv-SE" sz="1500" dirty="0"/>
+              <a:t>. </a:t>
+            </a:r>
+            <a:r>
+              <a:rPr lang="en-US" sz="1500" dirty="0"/>
+              <a:t>It is assumed that </a:t>
+            </a:r>
+            <a:r>
+              <a:rPr lang="en-US" sz="1500" b="1" dirty="0"/>
+              <a:t>the reverse current flows completely through the MOSFET channel</a:t>
+            </a:r>
+            <a:r>
+              <a:rPr lang="en-US" sz="1500" dirty="0"/>
+              <a:t>. This is a worse assumption than </a:t>
+            </a:r>
+            <a:r>
+              <a:rPr lang="en-US" sz="1500" b="1" dirty="0"/>
+              <a:t>current sharing </a:t>
+            </a:r>
+            <a:r>
+              <a:rPr lang="en-US" sz="1500" dirty="0"/>
+              <a:t>between the </a:t>
+            </a:r>
+            <a:r>
+              <a:rPr lang="en-US" sz="1500" b="1" dirty="0"/>
+              <a:t>channel</a:t>
+            </a:r>
+            <a:r>
+              <a:rPr lang="en-US" sz="1500" dirty="0"/>
+              <a:t> and the </a:t>
+            </a:r>
+            <a:r>
+              <a:rPr lang="en-US" sz="1500" b="1" dirty="0"/>
+              <a:t>body diode</a:t>
+            </a:r>
+            <a:r>
+              <a:rPr lang="en-US" sz="1500" dirty="0"/>
+              <a:t>. It partly compensates the </a:t>
+            </a:r>
+            <a:r>
+              <a:rPr lang="en-US" sz="1500" dirty="0" err="1"/>
+              <a:t>neglection</a:t>
+            </a:r>
+            <a:r>
+              <a:rPr lang="en-US" sz="1500" dirty="0"/>
+              <a:t> of losses in the body diode during interlock (dead) times. </a:t>
+            </a:r>
+          </a:p>
+          <a:p>
+            <a:pPr marL="457200" indent="-457200">
+              <a:buFont typeface="+mj-lt"/>
+              <a:buAutoNum type="arabicPeriod"/>
+            </a:pPr>
+            <a:r>
+              <a:rPr lang="en-US" sz="1500" b="1" dirty="0"/>
+              <a:t>The reverse recovery energy of the body diode is also not considered</a:t>
+            </a:r>
+            <a:r>
+              <a:rPr lang="en-US" sz="1500" dirty="0"/>
+              <a:t>, since measuring it is problematic  and it is comparably small so that it is not included in the datasheet of the module.</a:t>
+            </a:r>
+          </a:p>
+          <a:p>
+            <a:pPr marL="457200" indent="-457200">
+              <a:buFont typeface="+mj-lt"/>
+              <a:buAutoNum type="arabicPeriod"/>
+            </a:pPr>
+            <a:r>
+              <a:rPr lang="en-US" sz="1500" dirty="0"/>
+              <a:t>When the MOSFET is </a:t>
+            </a:r>
+            <a:r>
+              <a:rPr lang="en-US" sz="1500" b="1" dirty="0"/>
+              <a:t>in reverse conduction mode </a:t>
+            </a:r>
+            <a:r>
+              <a:rPr lang="en-US" sz="1500" dirty="0" smtClean="0"/>
+              <a:t>the </a:t>
+            </a:r>
+            <a:r>
+              <a:rPr lang="en-US" sz="1500" dirty="0"/>
+              <a:t>current commutates from and to its own body diode under </a:t>
+            </a:r>
+            <a:r>
+              <a:rPr lang="en-US" sz="1500" b="1" dirty="0"/>
+              <a:t>zero voltage switching (ZVS) condition</a:t>
+            </a:r>
+            <a:r>
+              <a:rPr lang="en-US" sz="1500" dirty="0"/>
+              <a:t>, and therefore </a:t>
+            </a:r>
+            <a:r>
+              <a:rPr lang="en-US" sz="1500" b="1" dirty="0"/>
+              <a:t>switching losses </a:t>
+            </a:r>
+            <a:r>
+              <a:rPr lang="en-US" sz="1500" dirty="0"/>
+              <a:t>are only taken into account during </a:t>
+            </a:r>
+            <a:r>
+              <a:rPr lang="en-US" sz="1500" b="1" dirty="0"/>
+              <a:t>forward conduction mode </a:t>
+            </a:r>
+            <a:r>
+              <a:rPr lang="en-US" sz="1500" dirty="0"/>
+              <a:t>of the MOSFET.</a:t>
+            </a:r>
+          </a:p>
+          <a:p>
+            <a:pPr marL="457200" indent="-457200">
+              <a:buFont typeface="+mj-lt"/>
+              <a:buAutoNum type="arabicPeriod"/>
+            </a:pPr>
+            <a:r>
+              <a:rPr lang="en-US" sz="1500" dirty="0"/>
+              <a:t>For the </a:t>
+            </a:r>
+            <a:r>
+              <a:rPr lang="en-US" sz="1500" b="1" dirty="0"/>
+              <a:t>NPC</a:t>
+            </a:r>
+            <a:r>
+              <a:rPr lang="en-US" sz="1500" dirty="0"/>
+              <a:t> inverter, another type of semiconductor is used for the clamping diodes. Here, </a:t>
+            </a:r>
+            <a:r>
+              <a:rPr lang="en-US" sz="1500" b="1" dirty="0" err="1"/>
+              <a:t>SiC</a:t>
+            </a:r>
+            <a:r>
+              <a:rPr lang="en-US" sz="1500" b="1" dirty="0"/>
+              <a:t> </a:t>
+            </a:r>
+            <a:r>
+              <a:rPr lang="en-US" sz="1500" b="1" dirty="0" err="1"/>
+              <a:t>Schottky</a:t>
+            </a:r>
+            <a:r>
+              <a:rPr lang="en-US" sz="1500" b="1" dirty="0"/>
+              <a:t> </a:t>
+            </a:r>
+            <a:r>
+              <a:rPr lang="en-US" sz="1500" dirty="0"/>
+              <a:t>diodes are considered which have </a:t>
+            </a:r>
+            <a:r>
+              <a:rPr lang="en-US" sz="1500" b="1" dirty="0"/>
+              <a:t>negligible switching losses</a:t>
+            </a:r>
+            <a:r>
+              <a:rPr lang="en-US" sz="1500" dirty="0"/>
+              <a:t>, and thus only </a:t>
+            </a:r>
+            <a:r>
+              <a:rPr lang="en-US" sz="1500" b="1" dirty="0"/>
+              <a:t>the conduction losses </a:t>
+            </a:r>
+            <a:r>
+              <a:rPr lang="en-US" sz="1500" dirty="0"/>
+              <a:t>are </a:t>
+            </a:r>
+            <a:r>
+              <a:rPr lang="en-US" sz="1500" b="1" dirty="0"/>
+              <a:t>accounted</a:t>
+            </a:r>
+            <a:r>
+              <a:rPr lang="en-US" sz="1500" dirty="0"/>
+              <a:t> for.</a:t>
+            </a:r>
+          </a:p>
+        </p:txBody>
+      </p:sp>
+    </p:spTree>
+    <p:extLst>
+      <p:ext uri="{BB962C8B-B14F-4D97-AF65-F5344CB8AC3E}">
+        <p14:creationId xmlns:p14="http://schemas.microsoft.com/office/powerpoint/2010/main" val="104460432"/>
       </p:ext>
     </p:extLst>
   </p:cSld>
